--- a/SDLC Process Models.pptx
+++ b/SDLC Process Models.pptx
@@ -15,13 +15,10 @@
     <p:sldId id="263" r:id="rId9"/>
     <p:sldId id="264" r:id="rId10"/>
     <p:sldId id="265" r:id="rId11"/>
-    <p:sldId id="266" r:id="rId12"/>
-    <p:sldId id="267" r:id="rId13"/>
-    <p:sldId id="268" r:id="rId14"/>
-    <p:sldId id="269" r:id="rId15"/>
-    <p:sldId id="270" r:id="rId16"/>
-    <p:sldId id="271" r:id="rId17"/>
-    <p:sldId id="272" r:id="rId18"/>
+    <p:sldId id="273" r:id="rId12"/>
+    <p:sldId id="274" r:id="rId13"/>
+    <p:sldId id="275" r:id="rId14"/>
+    <p:sldId id="272" r:id="rId15"/>
   </p:sldIdLst>
   <p:sldSz cx="12192000" cy="6858000"/>
   <p:notesSz cx="6858000" cy="9144000"/>
@@ -120,6 +117,11 @@
       </a:defRPr>
     </a:lvl9pPr>
   </p:defaultTextStyle>
+  <p:extLst>
+    <p:ext uri="{EFAFB233-063F-42B5-8137-9DF3F51BA10A}">
+      <p15:sldGuideLst xmlns:p15="http://schemas.microsoft.com/office/powerpoint/2012/main"/>
+    </p:ext>
+  </p:extLst>
 </p:presentation>
 </file>
 
@@ -272,7 +274,7 @@
           <a:p>
             <a:fld id="{120B7B4B-55E7-42BF-B655-0A7382DC2054}" type="datetimeFigureOut">
               <a:rPr lang="en-IN" smtClean="0"/>
-              <a:t>16-12-2023</a:t>
+              <a:t>21-01-2024</a:t>
             </a:fld>
             <a:endParaRPr lang="en-IN"/>
           </a:p>
@@ -472,7 +474,7 @@
           <a:p>
             <a:fld id="{120B7B4B-55E7-42BF-B655-0A7382DC2054}" type="datetimeFigureOut">
               <a:rPr lang="en-IN" smtClean="0"/>
-              <a:t>16-12-2023</a:t>
+              <a:t>21-01-2024</a:t>
             </a:fld>
             <a:endParaRPr lang="en-IN"/>
           </a:p>
@@ -682,7 +684,7 @@
           <a:p>
             <a:fld id="{120B7B4B-55E7-42BF-B655-0A7382DC2054}" type="datetimeFigureOut">
               <a:rPr lang="en-IN" smtClean="0"/>
-              <a:t>16-12-2023</a:t>
+              <a:t>21-01-2024</a:t>
             </a:fld>
             <a:endParaRPr lang="en-IN"/>
           </a:p>
@@ -882,7 +884,7 @@
           <a:p>
             <a:fld id="{120B7B4B-55E7-42BF-B655-0A7382DC2054}" type="datetimeFigureOut">
               <a:rPr lang="en-IN" smtClean="0"/>
-              <a:t>16-12-2023</a:t>
+              <a:t>21-01-2024</a:t>
             </a:fld>
             <a:endParaRPr lang="en-IN"/>
           </a:p>
@@ -1158,7 +1160,7 @@
           <a:p>
             <a:fld id="{120B7B4B-55E7-42BF-B655-0A7382DC2054}" type="datetimeFigureOut">
               <a:rPr lang="en-IN" smtClean="0"/>
-              <a:t>16-12-2023</a:t>
+              <a:t>21-01-2024</a:t>
             </a:fld>
             <a:endParaRPr lang="en-IN"/>
           </a:p>
@@ -1426,7 +1428,7 @@
           <a:p>
             <a:fld id="{120B7B4B-55E7-42BF-B655-0A7382DC2054}" type="datetimeFigureOut">
               <a:rPr lang="en-IN" smtClean="0"/>
-              <a:t>16-12-2023</a:t>
+              <a:t>21-01-2024</a:t>
             </a:fld>
             <a:endParaRPr lang="en-IN"/>
           </a:p>
@@ -1841,7 +1843,7 @@
           <a:p>
             <a:fld id="{120B7B4B-55E7-42BF-B655-0A7382DC2054}" type="datetimeFigureOut">
               <a:rPr lang="en-IN" smtClean="0"/>
-              <a:t>16-12-2023</a:t>
+              <a:t>21-01-2024</a:t>
             </a:fld>
             <a:endParaRPr lang="en-IN"/>
           </a:p>
@@ -1983,7 +1985,7 @@
           <a:p>
             <a:fld id="{120B7B4B-55E7-42BF-B655-0A7382DC2054}" type="datetimeFigureOut">
               <a:rPr lang="en-IN" smtClean="0"/>
-              <a:t>16-12-2023</a:t>
+              <a:t>21-01-2024</a:t>
             </a:fld>
             <a:endParaRPr lang="en-IN"/>
           </a:p>
@@ -2096,7 +2098,7 @@
           <a:p>
             <a:fld id="{120B7B4B-55E7-42BF-B655-0A7382DC2054}" type="datetimeFigureOut">
               <a:rPr lang="en-IN" smtClean="0"/>
-              <a:t>16-12-2023</a:t>
+              <a:t>21-01-2024</a:t>
             </a:fld>
             <a:endParaRPr lang="en-IN"/>
           </a:p>
@@ -2409,7 +2411,7 @@
           <a:p>
             <a:fld id="{120B7B4B-55E7-42BF-B655-0A7382DC2054}" type="datetimeFigureOut">
               <a:rPr lang="en-IN" smtClean="0"/>
-              <a:t>16-12-2023</a:t>
+              <a:t>21-01-2024</a:t>
             </a:fld>
             <a:endParaRPr lang="en-IN"/>
           </a:p>
@@ -2698,7 +2700,7 @@
           <a:p>
             <a:fld id="{120B7B4B-55E7-42BF-B655-0A7382DC2054}" type="datetimeFigureOut">
               <a:rPr lang="en-IN" smtClean="0"/>
-              <a:t>16-12-2023</a:t>
+              <a:t>21-01-2024</a:t>
             </a:fld>
             <a:endParaRPr lang="en-IN"/>
           </a:p>
@@ -2941,7 +2943,7 @@
           <a:p>
             <a:fld id="{120B7B4B-55E7-42BF-B655-0A7382DC2054}" type="datetimeFigureOut">
               <a:rPr lang="en-IN" smtClean="0"/>
-              <a:t>16-12-2023</a:t>
+              <a:t>21-01-2024</a:t>
             </a:fld>
             <a:endParaRPr lang="en-IN"/>
           </a:p>
@@ -3597,10 +3599,119 @@
           <a:chExt cx="0" cy="0"/>
         </a:xfrm>
       </p:grpSpPr>
+      <p:sp>
+        <p:nvSpPr>
+          <p:cNvPr id="3" name="TextBox 2">
+            <a:extLst>
+              <a:ext uri="{FF2B5EF4-FFF2-40B4-BE49-F238E27FC236}">
+                <a16:creationId xmlns:a16="http://schemas.microsoft.com/office/drawing/2014/main" id="{605962AE-5382-9CC2-F2F3-8142E819E095}"/>
+              </a:ext>
+            </a:extLst>
+          </p:cNvPr>
+          <p:cNvSpPr txBox="1"/>
+          <p:nvPr/>
+        </p:nvSpPr>
+        <p:spPr>
+          <a:xfrm>
+            <a:off x="176981" y="1018767"/>
+            <a:ext cx="11572567" cy="3877985"/>
+          </a:xfrm>
+          <a:prstGeom prst="rect">
+            <a:avLst/>
+          </a:prstGeom>
+          <a:noFill/>
+        </p:spPr>
+        <p:txBody>
+          <a:bodyPr wrap="square">
+            <a:spAutoFit/>
+          </a:bodyPr>
+          <a:lstStyle/>
+          <a:p>
+            <a:pPr algn="just"/>
+            <a:r>
+              <a:rPr lang="en-US" sz="3600" b="1" i="0" dirty="0">
+                <a:solidFill>
+                  <a:srgbClr val="374151"/>
+                </a:solidFill>
+                <a:effectLst/>
+                <a:latin typeface="Söhne"/>
+              </a:rPr>
+              <a:t>Waterfall model</a:t>
+            </a:r>
+          </a:p>
+          <a:p>
+            <a:pPr algn="just"/>
+            <a:endParaRPr lang="en-US" dirty="0">
+              <a:solidFill>
+                <a:srgbClr val="374151"/>
+              </a:solidFill>
+              <a:latin typeface="Söhne"/>
+            </a:endParaRPr>
+          </a:p>
+          <a:p>
+            <a:pPr algn="just"/>
+            <a:r>
+              <a:rPr lang="en-US" sz="2400" b="0" i="0" dirty="0">
+                <a:solidFill>
+                  <a:srgbClr val="374151"/>
+                </a:solidFill>
+                <a:effectLst/>
+                <a:latin typeface="Söhne"/>
+              </a:rPr>
+              <a:t>The Waterfall Model is a traditional software development methodology that is characterized by a linear and sequential approach to software development. </a:t>
+            </a:r>
+          </a:p>
+          <a:p>
+            <a:pPr algn="just"/>
+            <a:endParaRPr lang="en-US" sz="2400" dirty="0">
+              <a:solidFill>
+                <a:srgbClr val="374151"/>
+              </a:solidFill>
+              <a:latin typeface="Söhne"/>
+            </a:endParaRPr>
+          </a:p>
+          <a:p>
+            <a:pPr algn="just"/>
+            <a:r>
+              <a:rPr lang="en-US" sz="2400" b="0" i="0" dirty="0">
+                <a:solidFill>
+                  <a:srgbClr val="374151"/>
+                </a:solidFill>
+                <a:effectLst/>
+                <a:latin typeface="Söhne"/>
+              </a:rPr>
+              <a:t>It was first introduced by Dr. Winston W. Royce in a paper published in 1970. </a:t>
+            </a:r>
+          </a:p>
+          <a:p>
+            <a:pPr algn="just"/>
+            <a:endParaRPr lang="en-US" sz="2400" dirty="0">
+              <a:solidFill>
+                <a:srgbClr val="374151"/>
+              </a:solidFill>
+              <a:latin typeface="Söhne"/>
+            </a:endParaRPr>
+          </a:p>
+          <a:p>
+            <a:pPr algn="just"/>
+            <a:r>
+              <a:rPr lang="en-US" sz="2400" b="0" i="0" dirty="0">
+                <a:solidFill>
+                  <a:srgbClr val="374151"/>
+                </a:solidFill>
+                <a:effectLst/>
+                <a:latin typeface="Söhne"/>
+              </a:rPr>
+              <a:t>The Waterfall Model is one of the earliest and most structured approaches to software development and has been widely used in the past, although it has been largely replaced by more flexible and iterative methodologies in recent years.</a:t>
+            </a:r>
+            <a:endParaRPr lang="en-IN" sz="2400" dirty="0"/>
+          </a:p>
+        </p:txBody>
+      </p:sp>
     </p:spTree>
     <p:extLst>
       <p:ext uri="{BB962C8B-B14F-4D97-AF65-F5344CB8AC3E}">
-        <p14:creationId xmlns:p14="http://schemas.microsoft.com/office/powerpoint/2010/main" val="4102359081"/>
+        <p14:creationId xmlns:p14="http://schemas.microsoft.com/office/powerpoint/2010/main" val="2987380378"/>
       </p:ext>
     </p:extLst>
   </p:cSld>
@@ -3627,10 +3738,229 @@
           <a:chExt cx="0" cy="0"/>
         </a:xfrm>
       </p:grpSpPr>
+      <p:sp>
+        <p:nvSpPr>
+          <p:cNvPr id="3" name="TextBox 2">
+            <a:extLst>
+              <a:ext uri="{FF2B5EF4-FFF2-40B4-BE49-F238E27FC236}">
+                <a16:creationId xmlns:a16="http://schemas.microsoft.com/office/drawing/2014/main" id="{25E9B024-77F5-FB18-2B49-46E4B348CF7E}"/>
+              </a:ext>
+            </a:extLst>
+          </p:cNvPr>
+          <p:cNvSpPr txBox="1"/>
+          <p:nvPr/>
+        </p:nvSpPr>
+        <p:spPr>
+          <a:xfrm>
+            <a:off x="373625" y="572077"/>
+            <a:ext cx="11071123" cy="5632311"/>
+          </a:xfrm>
+          <a:prstGeom prst="rect">
+            <a:avLst/>
+          </a:prstGeom>
+          <a:noFill/>
+        </p:spPr>
+        <p:txBody>
+          <a:bodyPr wrap="square">
+            <a:spAutoFit/>
+          </a:bodyPr>
+          <a:lstStyle/>
+          <a:p>
+            <a:pPr algn="just"/>
+            <a:r>
+              <a:rPr lang="en-US" sz="2000" b="0" i="0" dirty="0">
+                <a:solidFill>
+                  <a:srgbClr val="374151"/>
+                </a:solidFill>
+                <a:effectLst/>
+                <a:latin typeface="Söhne"/>
+              </a:rPr>
+              <a:t>The Waterfall Model consists of several distinct phases, and each phase must be completed before moving on to the next one:</a:t>
+            </a:r>
+          </a:p>
+          <a:p>
+            <a:pPr algn="just"/>
+            <a:endParaRPr lang="en-US" sz="2000" b="0" i="0" dirty="0">
+              <a:solidFill>
+                <a:srgbClr val="374151"/>
+              </a:solidFill>
+              <a:effectLst/>
+              <a:latin typeface="Söhne"/>
+            </a:endParaRPr>
+          </a:p>
+          <a:p>
+            <a:pPr algn="just">
+              <a:buFont typeface="+mj-lt"/>
+              <a:buAutoNum type="arabicPeriod"/>
+            </a:pPr>
+            <a:r>
+              <a:rPr lang="en-US" sz="2000" b="1" i="0" dirty="0">
+                <a:solidFill>
+                  <a:srgbClr val="374151"/>
+                </a:solidFill>
+                <a:effectLst/>
+                <a:latin typeface="Söhne"/>
+              </a:rPr>
+              <a:t>Requirements Gathering and Analysis</a:t>
+            </a:r>
+            <a:r>
+              <a:rPr lang="en-US" sz="2000" b="0" i="0" dirty="0">
+                <a:solidFill>
+                  <a:srgbClr val="374151"/>
+                </a:solidFill>
+                <a:effectLst/>
+                <a:latin typeface="Söhne"/>
+              </a:rPr>
+              <a:t>: In this initial phase, the project team works closely with stakeholders to gather and document all project requirements. The goal is to have a clear and complete understanding of what the software needs to accomplish.</a:t>
+            </a:r>
+          </a:p>
+          <a:p>
+            <a:pPr algn="just">
+              <a:buFont typeface="+mj-lt"/>
+              <a:buAutoNum type="arabicPeriod"/>
+            </a:pPr>
+            <a:endParaRPr lang="en-US" sz="2000" b="0" i="0" dirty="0">
+              <a:solidFill>
+                <a:srgbClr val="374151"/>
+              </a:solidFill>
+              <a:effectLst/>
+              <a:latin typeface="Söhne"/>
+            </a:endParaRPr>
+          </a:p>
+          <a:p>
+            <a:pPr algn="just">
+              <a:buFont typeface="+mj-lt"/>
+              <a:buAutoNum type="arabicPeriod"/>
+            </a:pPr>
+            <a:r>
+              <a:rPr lang="en-US" sz="2000" b="1" i="0" dirty="0">
+                <a:solidFill>
+                  <a:srgbClr val="374151"/>
+                </a:solidFill>
+                <a:effectLst/>
+                <a:latin typeface="Söhne"/>
+              </a:rPr>
+              <a:t>System Design</a:t>
+            </a:r>
+            <a:r>
+              <a:rPr lang="en-US" sz="2000" b="0" i="0" dirty="0">
+                <a:solidFill>
+                  <a:srgbClr val="374151"/>
+                </a:solidFill>
+                <a:effectLst/>
+                <a:latin typeface="Söhne"/>
+              </a:rPr>
+              <a:t>: Once the requirements are established, the system design phase begins. During this phase, the system architecture and design specifications are created. It includes designing the software's overall structure and defining data models and algorithms.</a:t>
+            </a:r>
+          </a:p>
+          <a:p>
+            <a:pPr algn="just">
+              <a:buFont typeface="+mj-lt"/>
+              <a:buAutoNum type="arabicPeriod"/>
+            </a:pPr>
+            <a:endParaRPr lang="en-US" sz="2000" dirty="0">
+              <a:solidFill>
+                <a:srgbClr val="374151"/>
+              </a:solidFill>
+              <a:latin typeface="Söhne"/>
+            </a:endParaRPr>
+          </a:p>
+          <a:p>
+            <a:pPr algn="l">
+              <a:buFont typeface="+mj-lt"/>
+              <a:buAutoNum type="arabicPeriod"/>
+            </a:pPr>
+            <a:r>
+              <a:rPr lang="en-US" sz="2000" b="1" i="0" dirty="0">
+                <a:solidFill>
+                  <a:srgbClr val="374151"/>
+                </a:solidFill>
+                <a:effectLst/>
+                <a:latin typeface="Söhne"/>
+              </a:rPr>
+              <a:t>Implementation (Coding): </a:t>
+            </a:r>
+            <a:r>
+              <a:rPr lang="en-US" sz="2000" b="0" i="0" dirty="0">
+                <a:solidFill>
+                  <a:srgbClr val="374151"/>
+                </a:solidFill>
+                <a:effectLst/>
+                <a:latin typeface="Söhne"/>
+              </a:rPr>
+              <a:t>In this phase, developers write the actual code based on the design specifications. This is where the software is built according to the requirements and design.</a:t>
+            </a:r>
+          </a:p>
+          <a:p>
+            <a:pPr algn="l">
+              <a:buFont typeface="+mj-lt"/>
+              <a:buAutoNum type="arabicPeriod"/>
+            </a:pPr>
+            <a:endParaRPr lang="en-US" sz="2000" dirty="0">
+              <a:solidFill>
+                <a:srgbClr val="374151"/>
+              </a:solidFill>
+              <a:latin typeface="Söhne"/>
+            </a:endParaRPr>
+          </a:p>
+          <a:p>
+            <a:pPr algn="l">
+              <a:buFont typeface="+mj-lt"/>
+              <a:buAutoNum type="arabicPeriod"/>
+            </a:pPr>
+            <a:endParaRPr lang="en-US" sz="2000" b="0" i="0" dirty="0">
+              <a:solidFill>
+                <a:srgbClr val="374151"/>
+              </a:solidFill>
+              <a:effectLst/>
+              <a:latin typeface="Söhne"/>
+            </a:endParaRPr>
+          </a:p>
+          <a:p>
+            <a:pPr algn="l">
+              <a:buFont typeface="+mj-lt"/>
+              <a:buAutoNum type="arabicPeriod"/>
+            </a:pPr>
+            <a:r>
+              <a:rPr lang="en-US" sz="2000" b="1" i="0" dirty="0">
+                <a:solidFill>
+                  <a:srgbClr val="374151"/>
+                </a:solidFill>
+                <a:effectLst/>
+                <a:latin typeface="Söhne"/>
+              </a:rPr>
+              <a:t>Testing</a:t>
+            </a:r>
+            <a:r>
+              <a:rPr lang="en-US" sz="2000" b="0" i="0" dirty="0">
+                <a:solidFill>
+                  <a:srgbClr val="374151"/>
+                </a:solidFill>
+                <a:effectLst/>
+                <a:latin typeface="Söhne"/>
+              </a:rPr>
+              <a:t>: After the implementation phase, testing is conducted to identify and fix any defects or issues. This phase ensures that the software meets the specified requirements and functions as expected.</a:t>
+            </a:r>
+          </a:p>
+          <a:p>
+            <a:pPr algn="just">
+              <a:buFont typeface="+mj-lt"/>
+              <a:buAutoNum type="arabicPeriod"/>
+            </a:pPr>
+            <a:endParaRPr lang="en-US" sz="2000" b="0" i="0" dirty="0">
+              <a:solidFill>
+                <a:srgbClr val="374151"/>
+              </a:solidFill>
+              <a:effectLst/>
+              <a:latin typeface="Söhne"/>
+            </a:endParaRPr>
+          </a:p>
+        </p:txBody>
+      </p:sp>
     </p:spTree>
     <p:extLst>
       <p:ext uri="{BB962C8B-B14F-4D97-AF65-F5344CB8AC3E}">
-        <p14:creationId xmlns:p14="http://schemas.microsoft.com/office/powerpoint/2010/main" val="2662771124"/>
+        <p14:creationId xmlns:p14="http://schemas.microsoft.com/office/powerpoint/2010/main" val="2492518725"/>
       </p:ext>
     </p:extLst>
   </p:cSld>
@@ -3657,10 +3987,180 @@
           <a:chExt cx="0" cy="0"/>
         </a:xfrm>
       </p:grpSpPr>
+      <p:sp>
+        <p:nvSpPr>
+          <p:cNvPr id="3" name="TextBox 2">
+            <a:extLst>
+              <a:ext uri="{FF2B5EF4-FFF2-40B4-BE49-F238E27FC236}">
+                <a16:creationId xmlns:a16="http://schemas.microsoft.com/office/drawing/2014/main" id="{33127D8C-1E06-F776-1C47-8470F9E77A5D}"/>
+              </a:ext>
+            </a:extLst>
+          </p:cNvPr>
+          <p:cNvSpPr txBox="1"/>
+          <p:nvPr/>
+        </p:nvSpPr>
+        <p:spPr>
+          <a:xfrm>
+            <a:off x="344129" y="871283"/>
+            <a:ext cx="11051458" cy="4708981"/>
+          </a:xfrm>
+          <a:prstGeom prst="rect">
+            <a:avLst/>
+          </a:prstGeom>
+          <a:noFill/>
+        </p:spPr>
+        <p:txBody>
+          <a:bodyPr wrap="square">
+            <a:spAutoFit/>
+          </a:bodyPr>
+          <a:lstStyle/>
+          <a:p>
+            <a:pPr marL="342900" indent="-342900" algn="just">
+              <a:buFont typeface="+mj-lt"/>
+              <a:buAutoNum type="arabicPeriod" startAt="5"/>
+            </a:pPr>
+            <a:r>
+              <a:rPr lang="en-US" sz="2000" b="1" i="0" dirty="0">
+                <a:solidFill>
+                  <a:srgbClr val="374151"/>
+                </a:solidFill>
+                <a:effectLst/>
+                <a:latin typeface="Söhne"/>
+              </a:rPr>
+              <a:t>Deployment (Installation): </a:t>
+            </a:r>
+            <a:r>
+              <a:rPr lang="en-US" sz="2000" b="0" i="0" dirty="0">
+                <a:solidFill>
+                  <a:srgbClr val="374151"/>
+                </a:solidFill>
+                <a:effectLst/>
+                <a:latin typeface="Söhne"/>
+              </a:rPr>
+              <a:t>Once the software has passed testing and is considered complete, it is deployed to the production environment. This phase involves installing the software on users' systems and making it available for use.</a:t>
+            </a:r>
+          </a:p>
+          <a:p>
+            <a:pPr marL="342900" indent="-342900" algn="just">
+              <a:buFont typeface="+mj-lt"/>
+              <a:buAutoNum type="arabicPeriod" startAt="5"/>
+            </a:pPr>
+            <a:endParaRPr lang="en-US" sz="2000" b="0" i="0" dirty="0">
+              <a:solidFill>
+                <a:srgbClr val="374151"/>
+              </a:solidFill>
+              <a:effectLst/>
+              <a:latin typeface="Söhne"/>
+            </a:endParaRPr>
+          </a:p>
+          <a:p>
+            <a:pPr marL="342900" indent="-342900" algn="just">
+              <a:buFont typeface="+mj-lt"/>
+              <a:buAutoNum type="arabicPeriod" startAt="5"/>
+            </a:pPr>
+            <a:r>
+              <a:rPr lang="en-US" sz="2000" b="1" i="0" dirty="0">
+                <a:solidFill>
+                  <a:srgbClr val="374151"/>
+                </a:solidFill>
+                <a:effectLst/>
+                <a:latin typeface="Söhne"/>
+              </a:rPr>
+              <a:t>Maintenance and Support:</a:t>
+            </a:r>
+            <a:r>
+              <a:rPr lang="en-US" sz="2000" b="0" i="0" dirty="0">
+                <a:solidFill>
+                  <a:srgbClr val="374151"/>
+                </a:solidFill>
+                <a:effectLst/>
+                <a:latin typeface="Söhne"/>
+              </a:rPr>
+              <a:t> In the final phase, the software is maintained and updated as needed to address issues, add new features, or make improvements. This phase can continue indefinitely throughout the software's lifecycle.</a:t>
+            </a:r>
+            <a:endParaRPr lang="en-US" sz="2000" dirty="0">
+              <a:solidFill>
+                <a:srgbClr val="374151"/>
+              </a:solidFill>
+              <a:latin typeface="Söhne"/>
+            </a:endParaRPr>
+          </a:p>
+          <a:p>
+            <a:pPr marL="342900" indent="-342900" algn="just">
+              <a:buFont typeface="+mj-lt"/>
+              <a:buAutoNum type="arabicPeriod" startAt="5"/>
+            </a:pPr>
+            <a:endParaRPr lang="en-US" sz="2000" b="0" i="0" dirty="0">
+              <a:solidFill>
+                <a:srgbClr val="374151"/>
+              </a:solidFill>
+              <a:effectLst/>
+              <a:latin typeface="Söhne"/>
+            </a:endParaRPr>
+          </a:p>
+          <a:p>
+            <a:pPr algn="just"/>
+            <a:r>
+              <a:rPr lang="en-US" sz="2000" b="0" i="0" dirty="0">
+                <a:solidFill>
+                  <a:srgbClr val="374151"/>
+                </a:solidFill>
+                <a:effectLst/>
+                <a:latin typeface="Söhne"/>
+              </a:rPr>
+              <a:t>One of the main criticisms of the Waterfall Model is its inflexibility. </a:t>
+            </a:r>
+          </a:p>
+          <a:p>
+            <a:pPr algn="just"/>
+            <a:endParaRPr lang="en-US" sz="2000" dirty="0">
+              <a:solidFill>
+                <a:srgbClr val="374151"/>
+              </a:solidFill>
+              <a:latin typeface="Söhne"/>
+            </a:endParaRPr>
+          </a:p>
+          <a:p>
+            <a:pPr algn="just"/>
+            <a:r>
+              <a:rPr lang="en-US" sz="2000" b="0" i="0" dirty="0">
+                <a:solidFill>
+                  <a:srgbClr val="374151"/>
+                </a:solidFill>
+                <a:effectLst/>
+                <a:latin typeface="Söhne"/>
+              </a:rPr>
+              <a:t>It assumes that all requirements can be gathered and defined upfront and that changes are difficult and expensive to make once the project is underway. </a:t>
+            </a:r>
+          </a:p>
+          <a:p>
+            <a:pPr algn="just"/>
+            <a:endParaRPr lang="en-US" sz="2000" dirty="0">
+              <a:solidFill>
+                <a:srgbClr val="374151"/>
+              </a:solidFill>
+              <a:latin typeface="Söhne"/>
+            </a:endParaRPr>
+          </a:p>
+          <a:p>
+            <a:pPr algn="just"/>
+            <a:r>
+              <a:rPr lang="en-US" sz="2000" b="0" i="0" dirty="0">
+                <a:solidFill>
+                  <a:srgbClr val="374151"/>
+                </a:solidFill>
+                <a:effectLst/>
+                <a:latin typeface="Söhne"/>
+              </a:rPr>
+              <a:t>This can lead to problems if requirements change or if issues are discovered late in the development process.</a:t>
+            </a:r>
+          </a:p>
+        </p:txBody>
+      </p:sp>
     </p:spTree>
     <p:extLst>
       <p:ext uri="{BB962C8B-B14F-4D97-AF65-F5344CB8AC3E}">
-        <p14:creationId xmlns:p14="http://schemas.microsoft.com/office/powerpoint/2010/main" val="687490410"/>
+        <p14:creationId xmlns:p14="http://schemas.microsoft.com/office/powerpoint/2010/main" val="2594384688"/>
       </p:ext>
     </p:extLst>
   </p:cSld>
@@ -3687,96 +4187,41 @@
           <a:chExt cx="0" cy="0"/>
         </a:xfrm>
       </p:grpSpPr>
-    </p:spTree>
-    <p:extLst>
-      <p:ext uri="{BB962C8B-B14F-4D97-AF65-F5344CB8AC3E}">
-        <p14:creationId xmlns:p14="http://schemas.microsoft.com/office/powerpoint/2010/main" val="1859956130"/>
-      </p:ext>
-    </p:extLst>
-  </p:cSld>
-  <p:clrMapOvr>
-    <a:masterClrMapping/>
-  </p:clrMapOvr>
-</p:sld>
-</file>
-
-<file path=ppt/slides/slide15.xml><?xml version="1.0" encoding="utf-8"?>
-<p:sld xmlns:a="http://schemas.openxmlformats.org/drawingml/2006/main" xmlns:r="http://schemas.openxmlformats.org/officeDocument/2006/relationships" xmlns:p="http://schemas.openxmlformats.org/presentationml/2006/main">
-  <p:cSld>
-    <p:spTree>
-      <p:nvGrpSpPr>
-        <p:cNvPr id="1" name=""/>
-        <p:cNvGrpSpPr/>
-        <p:nvPr/>
-      </p:nvGrpSpPr>
-      <p:grpSpPr>
-        <a:xfrm>
-          <a:off x="0" y="0"/>
-          <a:ext cx="0" cy="0"/>
-          <a:chOff x="0" y="0"/>
-          <a:chExt cx="0" cy="0"/>
-        </a:xfrm>
-      </p:grpSpPr>
-    </p:spTree>
-    <p:extLst>
-      <p:ext uri="{BB962C8B-B14F-4D97-AF65-F5344CB8AC3E}">
-        <p14:creationId xmlns:p14="http://schemas.microsoft.com/office/powerpoint/2010/main" val="1469095940"/>
-      </p:ext>
-    </p:extLst>
-  </p:cSld>
-  <p:clrMapOvr>
-    <a:masterClrMapping/>
-  </p:clrMapOvr>
-</p:sld>
-</file>
-
-<file path=ppt/slides/slide16.xml><?xml version="1.0" encoding="utf-8"?>
-<p:sld xmlns:a="http://schemas.openxmlformats.org/drawingml/2006/main" xmlns:r="http://schemas.openxmlformats.org/officeDocument/2006/relationships" xmlns:p="http://schemas.openxmlformats.org/presentationml/2006/main">
-  <p:cSld>
-    <p:spTree>
-      <p:nvGrpSpPr>
-        <p:cNvPr id="1" name=""/>
-        <p:cNvGrpSpPr/>
-        <p:nvPr/>
-      </p:nvGrpSpPr>
-      <p:grpSpPr>
-        <a:xfrm>
-          <a:off x="0" y="0"/>
-          <a:ext cx="0" cy="0"/>
-          <a:chOff x="0" y="0"/>
-          <a:chExt cx="0" cy="0"/>
-        </a:xfrm>
-      </p:grpSpPr>
-    </p:spTree>
-    <p:extLst>
-      <p:ext uri="{BB962C8B-B14F-4D97-AF65-F5344CB8AC3E}">
-        <p14:creationId xmlns:p14="http://schemas.microsoft.com/office/powerpoint/2010/main" val="3096374840"/>
-      </p:ext>
-    </p:extLst>
-  </p:cSld>
-  <p:clrMapOvr>
-    <a:masterClrMapping/>
-  </p:clrMapOvr>
-</p:sld>
-</file>
-
-<file path=ppt/slides/slide17.xml><?xml version="1.0" encoding="utf-8"?>
-<p:sld xmlns:a="http://schemas.openxmlformats.org/drawingml/2006/main" xmlns:r="http://schemas.openxmlformats.org/officeDocument/2006/relationships" xmlns:p="http://schemas.openxmlformats.org/presentationml/2006/main">
-  <p:cSld>
-    <p:spTree>
-      <p:nvGrpSpPr>
-        <p:cNvPr id="1" name=""/>
-        <p:cNvGrpSpPr/>
-        <p:nvPr/>
-      </p:nvGrpSpPr>
-      <p:grpSpPr>
-        <a:xfrm>
-          <a:off x="0" y="0"/>
-          <a:ext cx="0" cy="0"/>
-          <a:chOff x="0" y="0"/>
-          <a:chExt cx="0" cy="0"/>
-        </a:xfrm>
-      </p:grpSpPr>
+      <p:sp>
+        <p:nvSpPr>
+          <p:cNvPr id="2" name="TextBox 1">
+            <a:extLst>
+              <a:ext uri="{FF2B5EF4-FFF2-40B4-BE49-F238E27FC236}">
+                <a16:creationId xmlns:a16="http://schemas.microsoft.com/office/drawing/2014/main" id="{14704C65-9E7D-2B09-9D2A-D2488E896CB0}"/>
+              </a:ext>
+            </a:extLst>
+          </p:cNvPr>
+          <p:cNvSpPr txBox="1"/>
+          <p:nvPr/>
+        </p:nvSpPr>
+        <p:spPr>
+          <a:xfrm>
+            <a:off x="4424517" y="2898370"/>
+            <a:ext cx="4483508" cy="830997"/>
+          </a:xfrm>
+          <a:prstGeom prst="rect">
+            <a:avLst/>
+          </a:prstGeom>
+          <a:noFill/>
+        </p:spPr>
+        <p:txBody>
+          <a:bodyPr wrap="square" rtlCol="0">
+            <a:spAutoFit/>
+          </a:bodyPr>
+          <a:lstStyle/>
+          <a:p>
+            <a:r>
+              <a:rPr lang="en-IN" sz="4800" dirty="0"/>
+              <a:t>Thank You</a:t>
+            </a:r>
+          </a:p>
+        </p:txBody>
+      </p:sp>
     </p:spTree>
     <p:extLst>
       <p:ext uri="{BB962C8B-B14F-4D97-AF65-F5344CB8AC3E}">
